--- a/image_repository/doc-image_repository.pptx
+++ b/image_repository/doc-image_repository.pptx
@@ -306,7 +306,7 @@
           <a:p>
             <a:fld id="{B451AA87-FDD6-4BEC-902B-E12FA3AEEFEF}" type="datetimeFigureOut">
               <a:rPr lang="en-US" smtClean="0"/>
-              <a:t>6/9/2021</a:t>
+              <a:t>6/11/2021</a:t>
             </a:fld>
             <a:endParaRPr lang="en-US"/>
           </a:p>
@@ -504,7 +504,7 @@
           <a:p>
             <a:fld id="{B451AA87-FDD6-4BEC-902B-E12FA3AEEFEF}" type="datetimeFigureOut">
               <a:rPr lang="en-US" smtClean="0"/>
-              <a:t>6/9/2021</a:t>
+              <a:t>6/11/2021</a:t>
             </a:fld>
             <a:endParaRPr lang="en-US"/>
           </a:p>
@@ -712,7 +712,7 @@
           <a:p>
             <a:fld id="{B451AA87-FDD6-4BEC-902B-E12FA3AEEFEF}" type="datetimeFigureOut">
               <a:rPr lang="en-US" smtClean="0"/>
-              <a:t>6/9/2021</a:t>
+              <a:t>6/11/2021</a:t>
             </a:fld>
             <a:endParaRPr lang="en-US"/>
           </a:p>
@@ -910,7 +910,7 @@
           <a:p>
             <a:fld id="{B451AA87-FDD6-4BEC-902B-E12FA3AEEFEF}" type="datetimeFigureOut">
               <a:rPr lang="en-US" smtClean="0"/>
-              <a:t>6/9/2021</a:t>
+              <a:t>6/11/2021</a:t>
             </a:fld>
             <a:endParaRPr lang="en-US"/>
           </a:p>
@@ -1185,7 +1185,7 @@
           <a:p>
             <a:fld id="{B451AA87-FDD6-4BEC-902B-E12FA3AEEFEF}" type="datetimeFigureOut">
               <a:rPr lang="en-US" smtClean="0"/>
-              <a:t>6/9/2021</a:t>
+              <a:t>6/11/2021</a:t>
             </a:fld>
             <a:endParaRPr lang="en-US"/>
           </a:p>
@@ -1450,7 +1450,7 @@
           <a:p>
             <a:fld id="{B451AA87-FDD6-4BEC-902B-E12FA3AEEFEF}" type="datetimeFigureOut">
               <a:rPr lang="en-US" smtClean="0"/>
-              <a:t>6/9/2021</a:t>
+              <a:t>6/11/2021</a:t>
             </a:fld>
             <a:endParaRPr lang="en-US"/>
           </a:p>
@@ -1862,7 +1862,7 @@
           <a:p>
             <a:fld id="{B451AA87-FDD6-4BEC-902B-E12FA3AEEFEF}" type="datetimeFigureOut">
               <a:rPr lang="en-US" smtClean="0"/>
-              <a:t>6/9/2021</a:t>
+              <a:t>6/11/2021</a:t>
             </a:fld>
             <a:endParaRPr lang="en-US"/>
           </a:p>
@@ -2003,7 +2003,7 @@
           <a:p>
             <a:fld id="{B451AA87-FDD6-4BEC-902B-E12FA3AEEFEF}" type="datetimeFigureOut">
               <a:rPr lang="en-US" smtClean="0"/>
-              <a:t>6/9/2021</a:t>
+              <a:t>6/11/2021</a:t>
             </a:fld>
             <a:endParaRPr lang="en-US"/>
           </a:p>
@@ -2116,7 +2116,7 @@
           <a:p>
             <a:fld id="{B451AA87-FDD6-4BEC-902B-E12FA3AEEFEF}" type="datetimeFigureOut">
               <a:rPr lang="en-US" smtClean="0"/>
-              <a:t>6/9/2021</a:t>
+              <a:t>6/11/2021</a:t>
             </a:fld>
             <a:endParaRPr lang="en-US"/>
           </a:p>
@@ -2427,7 +2427,7 @@
           <a:p>
             <a:fld id="{B451AA87-FDD6-4BEC-902B-E12FA3AEEFEF}" type="datetimeFigureOut">
               <a:rPr lang="en-US" smtClean="0"/>
-              <a:t>6/9/2021</a:t>
+              <a:t>6/11/2021</a:t>
             </a:fld>
             <a:endParaRPr lang="en-US"/>
           </a:p>
@@ -2715,7 +2715,7 @@
           <a:p>
             <a:fld id="{B451AA87-FDD6-4BEC-902B-E12FA3AEEFEF}" type="datetimeFigureOut">
               <a:rPr lang="en-US" smtClean="0"/>
-              <a:t>6/9/2021</a:t>
+              <a:t>6/11/2021</a:t>
             </a:fld>
             <a:endParaRPr lang="en-US"/>
           </a:p>
@@ -2956,7 +2956,7 @@
           <a:p>
             <a:fld id="{B451AA87-FDD6-4BEC-902B-E12FA3AEEFEF}" type="datetimeFigureOut">
               <a:rPr lang="en-US" smtClean="0"/>
-              <a:t>6/9/2021</a:t>
+              <a:t>6/11/2021</a:t>
             </a:fld>
             <a:endParaRPr lang="en-US"/>
           </a:p>
@@ -5994,14 +5994,14 @@
           <p:nvPr>
             <p:extLst>
               <p:ext uri="{D42A27DB-BD31-4B8C-83A1-F6EECF244321}">
-                <p14:modId xmlns:p14="http://schemas.microsoft.com/office/powerpoint/2010/main" val="4054275303"/>
+                <p14:modId xmlns:p14="http://schemas.microsoft.com/office/powerpoint/2010/main" val="735674985"/>
               </p:ext>
             </p:extLst>
           </p:nvPr>
         </p:nvGraphicFramePr>
         <p:xfrm>
           <a:off x="838204" y="365125"/>
-          <a:ext cx="10515596" cy="5933440"/>
+          <a:ext cx="10378440" cy="5933440"/>
         </p:xfrm>
         <a:graphic>
           <a:graphicData uri="http://schemas.openxmlformats.org/drawingml/2006/table">
@@ -6010,49 +6010,56 @@
                 <a:tableStyleId>{BC89EF96-8CEA-46FF-86C4-4CE0E7609802}</a:tableStyleId>
               </a:tblPr>
               <a:tblGrid>
-                <a:gridCol w="1502228">
+                <a:gridCol w="457200">
+                  <a:extLst>
+                    <a:ext uri="{9D8B030D-6E8A-4147-A177-3AD203B41FA5}">
+                      <a16:colId xmlns:a16="http://schemas.microsoft.com/office/drawing/2014/main" val="4123327613"/>
+                    </a:ext>
+                  </a:extLst>
+                </a:gridCol>
+                <a:gridCol w="1417320">
                   <a:extLst>
                     <a:ext uri="{9D8B030D-6E8A-4147-A177-3AD203B41FA5}">
                       <a16:colId xmlns:a16="http://schemas.microsoft.com/office/drawing/2014/main" val="3005989207"/>
                     </a:ext>
                   </a:extLst>
                 </a:gridCol>
-                <a:gridCol w="1502228">
+                <a:gridCol w="1417320">
                   <a:extLst>
                     <a:ext uri="{9D8B030D-6E8A-4147-A177-3AD203B41FA5}">
                       <a16:colId xmlns:a16="http://schemas.microsoft.com/office/drawing/2014/main" val="316671854"/>
                     </a:ext>
                   </a:extLst>
                 </a:gridCol>
-                <a:gridCol w="1502228">
+                <a:gridCol w="1417320">
                   <a:extLst>
                     <a:ext uri="{9D8B030D-6E8A-4147-A177-3AD203B41FA5}">
                       <a16:colId xmlns:a16="http://schemas.microsoft.com/office/drawing/2014/main" val="3450966544"/>
                     </a:ext>
                   </a:extLst>
                 </a:gridCol>
-                <a:gridCol w="1502228">
+                <a:gridCol w="1417320">
                   <a:extLst>
                     <a:ext uri="{9D8B030D-6E8A-4147-A177-3AD203B41FA5}">
                       <a16:colId xmlns:a16="http://schemas.microsoft.com/office/drawing/2014/main" val="758755272"/>
                     </a:ext>
                   </a:extLst>
                 </a:gridCol>
-                <a:gridCol w="1502228">
+                <a:gridCol w="1417320">
                   <a:extLst>
                     <a:ext uri="{9D8B030D-6E8A-4147-A177-3AD203B41FA5}">
                       <a16:colId xmlns:a16="http://schemas.microsoft.com/office/drawing/2014/main" val="3230946512"/>
                     </a:ext>
                   </a:extLst>
                 </a:gridCol>
-                <a:gridCol w="1502228">
+                <a:gridCol w="1417320">
                   <a:extLst>
                     <a:ext uri="{9D8B030D-6E8A-4147-A177-3AD203B41FA5}">
                       <a16:colId xmlns:a16="http://schemas.microsoft.com/office/drawing/2014/main" val="2642558908"/>
                     </a:ext>
                   </a:extLst>
                 </a:gridCol>
-                <a:gridCol w="1502228">
+                <a:gridCol w="1417320">
                   <a:extLst>
                     <a:ext uri="{9D8B030D-6E8A-4147-A177-3AD203B41FA5}">
                       <a16:colId xmlns:a16="http://schemas.microsoft.com/office/drawing/2014/main" val="1756926750"/>
@@ -6066,11 +6073,26 @@
                     <a:bodyPr/>
                     <a:lstStyle/>
                     <a:p>
+                      <a:pPr algn="ctr"/>
+                      <a:endParaRPr lang="en-US" b="1" dirty="0"/>
+                    </a:p>
+                  </a:txBody>
+                  <a:tcPr vert="vert270" anchor="ctr">
+                    <a:solidFill>
+                      <a:schemeClr val="accent1">
+                        <a:lumMod val="40000"/>
+                        <a:lumOff val="60000"/>
+                      </a:schemeClr>
+                    </a:solidFill>
+                  </a:tcPr>
+                </a:tc>
+                <a:tc>
+                  <a:txBody>
+                    <a:bodyPr/>
+                    <a:lstStyle/>
+                    <a:p>
                       <a:pPr algn="l"/>
-                      <a:r>
-                        <a:rPr lang="en-US" dirty="0"/>
-                        <a:t>Account</a:t>
-                      </a:r>
+                      <a:endParaRPr lang="en-US" dirty="0"/>
                     </a:p>
                   </a:txBody>
                   <a:tcPr anchor="ctr">
@@ -6215,6 +6237,27 @@
                 </a:extLst>
               </a:tr>
               <a:tr h="370840">
+                <a:tc rowSpan="3">
+                  <a:txBody>
+                    <a:bodyPr/>
+                    <a:lstStyle/>
+                    <a:p>
+                      <a:pPr algn="ctr"/>
+                      <a:r>
+                        <a:rPr lang="en-US" b="1" dirty="0"/>
+                        <a:t>Account</a:t>
+                      </a:r>
+                    </a:p>
+                  </a:txBody>
+                  <a:tcPr vert="vert270" anchor="ctr">
+                    <a:solidFill>
+                      <a:schemeClr val="accent1">
+                        <a:lumMod val="40000"/>
+                        <a:lumOff val="60000"/>
+                      </a:schemeClr>
+                    </a:solidFill>
+                  </a:tcPr>
+                </a:tc>
                 <a:tc>
                   <a:txBody>
                     <a:bodyPr/>
@@ -6334,6 +6377,19 @@
                 </a:extLst>
               </a:tr>
               <a:tr h="370840">
+                <a:tc vMerge="1">
+                  <a:txBody>
+                    <a:bodyPr/>
+                    <a:lstStyle/>
+                    <a:p>
+                      <a:pPr algn="l"/>
+                      <a:endParaRPr lang="en-US" dirty="0"/>
+                    </a:p>
+                  </a:txBody>
+                  <a:tcPr anchor="ctr">
+                    <a:noFill/>
+                  </a:tcPr>
+                </a:tc>
                 <a:tc>
                   <a:txBody>
                     <a:bodyPr/>
@@ -6486,6 +6542,19 @@
                 </a:extLst>
               </a:tr>
               <a:tr h="370840">
+                <a:tc vMerge="1">
+                  <a:txBody>
+                    <a:bodyPr/>
+                    <a:lstStyle/>
+                    <a:p>
+                      <a:pPr algn="l"/>
+                      <a:endParaRPr lang="en-US" dirty="0"/>
+                    </a:p>
+                  </a:txBody>
+                  <a:tcPr anchor="ctr">
+                    <a:noFill/>
+                  </a:tcPr>
+                </a:tc>
                 <a:tc>
                   <a:txBody>
                     <a:bodyPr/>
@@ -6610,11 +6679,26 @@
                     <a:bodyPr/>
                     <a:lstStyle/>
                     <a:p>
+                      <a:pPr algn="ctr"/>
+                      <a:endParaRPr lang="en-US" b="1" dirty="0"/>
+                    </a:p>
+                  </a:txBody>
+                  <a:tcPr vert="vert270" anchor="ctr">
+                    <a:solidFill>
+                      <a:schemeClr val="accent1">
+                        <a:lumMod val="40000"/>
+                        <a:lumOff val="60000"/>
+                      </a:schemeClr>
+                    </a:solidFill>
+                  </a:tcPr>
+                </a:tc>
+                <a:tc>
+                  <a:txBody>
+                    <a:bodyPr/>
+                    <a:lstStyle/>
+                    <a:p>
                       <a:pPr algn="l"/>
-                      <a:r>
-                        <a:rPr lang="en-US" b="1" dirty="0"/>
-                        <a:t>User</a:t>
-                      </a:r>
+                      <a:endParaRPr lang="en-US" b="1" dirty="0"/>
                     </a:p>
                   </a:txBody>
                   <a:tcPr anchor="ctr">
@@ -6753,6 +6837,27 @@
                 </a:extLst>
               </a:tr>
               <a:tr h="370840">
+                <a:tc rowSpan="3">
+                  <a:txBody>
+                    <a:bodyPr/>
+                    <a:lstStyle/>
+                    <a:p>
+                      <a:pPr algn="ctr"/>
+                      <a:r>
+                        <a:rPr lang="en-US" b="1" dirty="0"/>
+                        <a:t>User</a:t>
+                      </a:r>
+                    </a:p>
+                  </a:txBody>
+                  <a:tcPr vert="vert270" anchor="ctr">
+                    <a:solidFill>
+                      <a:schemeClr val="accent1">
+                        <a:lumMod val="40000"/>
+                        <a:lumOff val="60000"/>
+                      </a:schemeClr>
+                    </a:solidFill>
+                  </a:tcPr>
+                </a:tc>
                 <a:tc>
                   <a:txBody>
                     <a:bodyPr/>
@@ -6878,6 +6983,19 @@
                 </a:extLst>
               </a:tr>
               <a:tr h="370840">
+                <a:tc vMerge="1">
+                  <a:txBody>
+                    <a:bodyPr/>
+                    <a:lstStyle/>
+                    <a:p>
+                      <a:pPr algn="l"/>
+                      <a:endParaRPr lang="en-US" dirty="0"/>
+                    </a:p>
+                  </a:txBody>
+                  <a:tcPr anchor="ctr">
+                    <a:noFill/>
+                  </a:tcPr>
+                </a:tc>
                 <a:tc>
                   <a:txBody>
                     <a:bodyPr/>
@@ -7027,6 +7145,19 @@
                 </a:extLst>
               </a:tr>
               <a:tr h="370840">
+                <a:tc vMerge="1">
+                  <a:txBody>
+                    <a:bodyPr/>
+                    <a:lstStyle/>
+                    <a:p>
+                      <a:pPr algn="l"/>
+                      <a:endParaRPr lang="en-US" dirty="0"/>
+                    </a:p>
+                  </a:txBody>
+                  <a:tcPr anchor="ctr">
+                    <a:noFill/>
+                  </a:tcPr>
+                </a:tc>
                 <a:tc>
                   <a:txBody>
                     <a:bodyPr/>
@@ -7145,11 +7276,26 @@
                     <a:bodyPr/>
                     <a:lstStyle/>
                     <a:p>
+                      <a:pPr algn="ctr"/>
+                      <a:endParaRPr lang="en-US" b="1" dirty="0"/>
+                    </a:p>
+                  </a:txBody>
+                  <a:tcPr vert="vert270" anchor="ctr">
+                    <a:solidFill>
+                      <a:schemeClr val="accent1">
+                        <a:lumMod val="40000"/>
+                        <a:lumOff val="60000"/>
+                      </a:schemeClr>
+                    </a:solidFill>
+                  </a:tcPr>
+                </a:tc>
+                <a:tc>
+                  <a:txBody>
+                    <a:bodyPr/>
+                    <a:lstStyle/>
+                    <a:p>
                       <a:pPr algn="l"/>
-                      <a:r>
-                        <a:rPr lang="en-US" b="1" dirty="0"/>
-                        <a:t>Image</a:t>
-                      </a:r>
+                      <a:endParaRPr lang="en-US" b="1" dirty="0"/>
                     </a:p>
                   </a:txBody>
                   <a:tcPr anchor="ctr">
@@ -7294,6 +7440,27 @@
                 </a:extLst>
               </a:tr>
               <a:tr h="370840">
+                <a:tc rowSpan="3">
+                  <a:txBody>
+                    <a:bodyPr/>
+                    <a:lstStyle/>
+                    <a:p>
+                      <a:pPr algn="ctr"/>
+                      <a:r>
+                        <a:rPr lang="en-US" b="1" dirty="0"/>
+                        <a:t>Image</a:t>
+                      </a:r>
+                    </a:p>
+                  </a:txBody>
+                  <a:tcPr vert="vert270" anchor="ctr">
+                    <a:solidFill>
+                      <a:schemeClr val="accent1">
+                        <a:lumMod val="40000"/>
+                        <a:lumOff val="60000"/>
+                      </a:schemeClr>
+                    </a:solidFill>
+                  </a:tcPr>
+                </a:tc>
                 <a:tc>
                   <a:txBody>
                     <a:bodyPr/>
@@ -7425,6 +7592,19 @@
                 </a:extLst>
               </a:tr>
               <a:tr h="370840">
+                <a:tc vMerge="1">
+                  <a:txBody>
+                    <a:bodyPr/>
+                    <a:lstStyle/>
+                    <a:p>
+                      <a:pPr algn="l"/>
+                      <a:endParaRPr lang="en-US" dirty="0"/>
+                    </a:p>
+                  </a:txBody>
+                  <a:tcPr vert="vert270" anchor="ctr">
+                    <a:noFill/>
+                  </a:tcPr>
+                </a:tc>
                 <a:tc>
                   <a:txBody>
                     <a:bodyPr/>
@@ -7577,6 +7757,19 @@
                 </a:extLst>
               </a:tr>
               <a:tr h="370840">
+                <a:tc vMerge="1">
+                  <a:txBody>
+                    <a:bodyPr/>
+                    <a:lstStyle/>
+                    <a:p>
+                      <a:pPr algn="l"/>
+                      <a:endParaRPr lang="en-US" dirty="0"/>
+                    </a:p>
+                  </a:txBody>
+                  <a:tcPr vert="vert270" anchor="ctr">
+                    <a:noFill/>
+                  </a:tcPr>
+                </a:tc>
                 <a:tc>
                   <a:txBody>
                     <a:bodyPr/>
@@ -7710,11 +7903,26 @@
                     <a:bodyPr/>
                     <a:lstStyle/>
                     <a:p>
+                      <a:pPr algn="ctr"/>
+                      <a:endParaRPr lang="en-US" b="1" dirty="0"/>
+                    </a:p>
+                  </a:txBody>
+                  <a:tcPr vert="vert270" anchor="ctr">
+                    <a:solidFill>
+                      <a:schemeClr val="accent1">
+                        <a:lumMod val="40000"/>
+                        <a:lumOff val="60000"/>
+                      </a:schemeClr>
+                    </a:solidFill>
+                  </a:tcPr>
+                </a:tc>
+                <a:tc>
+                  <a:txBody>
+                    <a:bodyPr/>
+                    <a:lstStyle/>
+                    <a:p>
                       <a:pPr algn="l"/>
-                      <a:r>
-                        <a:rPr lang="en-US" b="1" dirty="0"/>
-                        <a:t>Buy</a:t>
-                      </a:r>
+                      <a:endParaRPr lang="en-US" b="1" dirty="0"/>
                     </a:p>
                   </a:txBody>
                   <a:tcPr anchor="ctr">
@@ -7853,6 +8061,27 @@
                 </a:extLst>
               </a:tr>
               <a:tr h="370840">
+                <a:tc rowSpan="3">
+                  <a:txBody>
+                    <a:bodyPr/>
+                    <a:lstStyle/>
+                    <a:p>
+                      <a:pPr algn="ctr"/>
+                      <a:r>
+                        <a:rPr lang="en-US" b="1" dirty="0"/>
+                        <a:t>Buy</a:t>
+                      </a:r>
+                    </a:p>
+                  </a:txBody>
+                  <a:tcPr vert="vert270" anchor="ctr">
+                    <a:solidFill>
+                      <a:schemeClr val="accent1">
+                        <a:lumMod val="40000"/>
+                        <a:lumOff val="60000"/>
+                      </a:schemeClr>
+                    </a:solidFill>
+                  </a:tcPr>
+                </a:tc>
                 <a:tc>
                   <a:txBody>
                     <a:bodyPr/>
@@ -7978,6 +8207,24 @@
                 </a:extLst>
               </a:tr>
               <a:tr h="370840">
+                <a:tc vMerge="1">
+                  <a:txBody>
+                    <a:bodyPr/>
+                    <a:lstStyle/>
+                    <a:p>
+                      <a:pPr algn="ctr"/>
+                      <a:endParaRPr lang="en-US" b="1" dirty="0"/>
+                    </a:p>
+                  </a:txBody>
+                  <a:tcPr vert="vert270" anchor="ctr">
+                    <a:solidFill>
+                      <a:schemeClr val="accent1">
+                        <a:lumMod val="40000"/>
+                        <a:lumOff val="60000"/>
+                      </a:schemeClr>
+                    </a:solidFill>
+                  </a:tcPr>
+                </a:tc>
                 <a:tc>
                   <a:txBody>
                     <a:bodyPr/>
@@ -8127,6 +8374,24 @@
                 </a:extLst>
               </a:tr>
               <a:tr h="370840">
+                <a:tc vMerge="1">
+                  <a:txBody>
+                    <a:bodyPr/>
+                    <a:lstStyle/>
+                    <a:p>
+                      <a:pPr algn="ctr"/>
+                      <a:endParaRPr lang="en-US" b="1" dirty="0"/>
+                    </a:p>
+                  </a:txBody>
+                  <a:tcPr vert="vert270" anchor="ctr">
+                    <a:solidFill>
+                      <a:schemeClr val="accent1">
+                        <a:lumMod val="40000"/>
+                        <a:lumOff val="60000"/>
+                      </a:schemeClr>
+                    </a:solidFill>
+                  </a:tcPr>
+                </a:tc>
                 <a:tc>
                   <a:txBody>
                     <a:bodyPr/>
